--- a/src/PLM_map.pptx
+++ b/src/PLM_map.pptx
@@ -3435,7 +3435,57 @@
           <a:p>
             <a:pPr algn="ctr"/>
             <a:r>
-              <a:rPr lang="en-GB"/>
+              <a:rPr lang="en-GB" dirty="0"/>
+              <a:t>Job</a:t>
+            </a:r>
+            <a:endParaRPr lang="en-DK" dirty="0"/>
+          </a:p>
+        </p:txBody>
+      </p:sp>
+      <p:sp>
+        <p:nvSpPr>
+          <p:cNvPr id="6" name="Rectangle 5">
+            <a:extLst>
+              <a:ext uri="{FF2B5EF4-FFF2-40B4-BE49-F238E27FC236}">
+                <a16:creationId xmlns:a16="http://schemas.microsoft.com/office/drawing/2014/main" id="{380086F1-F9DE-B383-CE2A-0D4F5E69A3F9}"/>
+              </a:ext>
+            </a:extLst>
+          </p:cNvPr>
+          <p:cNvSpPr/>
+          <p:nvPr/>
+        </p:nvSpPr>
+        <p:spPr>
+          <a:xfrm>
+            <a:off x="420130" y="2306896"/>
+            <a:ext cx="1569308" cy="457200"/>
+          </a:xfrm>
+          <a:prstGeom prst="rect">
+            <a:avLst/>
+          </a:prstGeom>
+        </p:spPr>
+        <p:style>
+          <a:lnRef idx="2">
+            <a:schemeClr val="accent1">
+              <a:shade val="50000"/>
+            </a:schemeClr>
+          </a:lnRef>
+          <a:fillRef idx="1">
+            <a:schemeClr val="accent1"/>
+          </a:fillRef>
+          <a:effectRef idx="0">
+            <a:schemeClr val="accent1"/>
+          </a:effectRef>
+          <a:fontRef idx="minor">
+            <a:schemeClr val="lt1"/>
+          </a:fontRef>
+        </p:style>
+        <p:txBody>
+          <a:bodyPr rtlCol="0" anchor="ctr"/>
+          <a:lstStyle/>
+          <a:p>
+            <a:pPr algn="ctr"/>
+            <a:r>
+              <a:rPr lang="en-GB" dirty="0"/>
               <a:t>Job</a:t>
             </a:r>
             <a:endParaRPr lang="en-DK" dirty="0"/>
